--- a/Concert Calendar Presentation.pptx
+++ b/Concert Calendar Presentation.pptx
@@ -5,7 +5,7 @@
     <p:sldMasterId id="2147483660" r:id="rId1"/>
   </p:sldMasterIdLst>
   <p:notesMasterIdLst>
-    <p:notesMasterId r:id="rId15"/>
+    <p:notesMasterId r:id="rId14"/>
   </p:notesMasterIdLst>
   <p:sldIdLst>
     <p:sldId id="256" r:id="rId2"/>
@@ -17,10 +17,9 @@
     <p:sldId id="260" r:id="rId8"/>
     <p:sldId id="263" r:id="rId9"/>
     <p:sldId id="266" r:id="rId10"/>
-    <p:sldId id="267" r:id="rId11"/>
-    <p:sldId id="261" r:id="rId12"/>
-    <p:sldId id="268" r:id="rId13"/>
-    <p:sldId id="270" r:id="rId14"/>
+    <p:sldId id="261" r:id="rId11"/>
+    <p:sldId id="271" r:id="rId12"/>
+    <p:sldId id="270" r:id="rId13"/>
   </p:sldIdLst>
   <p:sldSz cx="9144000" cy="6858000" type="screen4x3"/>
   <p:notesSz cx="6858000" cy="9144000"/>
@@ -205,7 +204,7 @@
             <a:fld id="{67193F11-5B63-44AA-BF1A-B717768230A6}" type="datetimeFigureOut">
               <a:rPr lang="ko-KR" altLang="en-US" smtClean="0"/>
               <a:pPr/>
-              <a:t>2014-08-31</a:t>
+              <a:t>2014-09-04</a:t>
             </a:fld>
             <a:endParaRPr lang="ko-KR" altLang="en-US"/>
           </a:p>
@@ -374,7 +373,7 @@
     </p:spTree>
     <p:extLst>
       <p:ext uri="{BB962C8B-B14F-4D97-AF65-F5344CB8AC3E}">
-        <p14:creationId xmlns:p14="http://schemas.microsoft.com/office/powerpoint/2010/main" xmlns="" val="4165249925"/>
+        <p14:creationId xmlns="" xmlns:p14="http://schemas.microsoft.com/office/powerpoint/2010/main" val="4165249925"/>
       </p:ext>
     </p:extLst>
   </p:cSld>
@@ -653,7 +652,7 @@
     </p:spTree>
     <p:extLst>
       <p:ext uri="{BB962C8B-B14F-4D97-AF65-F5344CB8AC3E}">
-        <p14:creationId xmlns:p14="http://schemas.microsoft.com/office/powerpoint/2010/main" xmlns="" val="2806187684"/>
+        <p14:creationId xmlns="" xmlns:p14="http://schemas.microsoft.com/office/powerpoint/2010/main" val="2806187684"/>
       </p:ext>
     </p:extLst>
   </p:cSld>
@@ -868,7 +867,7 @@
     </p:spTree>
     <p:extLst>
       <p:ext uri="{BB962C8B-B14F-4D97-AF65-F5344CB8AC3E}">
-        <p14:creationId xmlns:p14="http://schemas.microsoft.com/office/powerpoint/2010/main" xmlns="" val="3696086694"/>
+        <p14:creationId xmlns="" xmlns:p14="http://schemas.microsoft.com/office/powerpoint/2010/main" val="3696086694"/>
       </p:ext>
     </p:extLst>
   </p:cSld>
@@ -1118,7 +1117,7 @@
     </p:spTree>
     <p:extLst>
       <p:ext uri="{BB962C8B-B14F-4D97-AF65-F5344CB8AC3E}">
-        <p14:creationId xmlns:p14="http://schemas.microsoft.com/office/powerpoint/2010/main" xmlns="" val="433242257"/>
+        <p14:creationId xmlns="" xmlns:p14="http://schemas.microsoft.com/office/powerpoint/2010/main" val="433242257"/>
       </p:ext>
     </p:extLst>
   </p:cSld>
@@ -1267,7 +1266,7 @@
     </p:spTree>
     <p:extLst>
       <p:ext uri="{BB962C8B-B14F-4D97-AF65-F5344CB8AC3E}">
-        <p14:creationId xmlns:p14="http://schemas.microsoft.com/office/powerpoint/2010/main" xmlns="" val="1255551682"/>
+        <p14:creationId xmlns="" xmlns:p14="http://schemas.microsoft.com/office/powerpoint/2010/main" val="1255551682"/>
       </p:ext>
     </p:extLst>
   </p:cSld>
@@ -1412,7 +1411,7 @@
             <a:fld id="{6AB14507-CA9D-4BE1-9DC6-CA160D5A79F0}" type="slidenum">
               <a:rPr lang="ko-KR" altLang="en-US" smtClean="0"/>
               <a:pPr/>
-              <a:t>11</a:t>
+              <a:t>10</a:t>
             </a:fld>
             <a:endParaRPr lang="ko-KR" altLang="en-US"/>
           </a:p>
@@ -1421,7 +1420,7 @@
     </p:spTree>
     <p:extLst>
       <p:ext uri="{BB962C8B-B14F-4D97-AF65-F5344CB8AC3E}">
-        <p14:creationId xmlns:p14="http://schemas.microsoft.com/office/powerpoint/2010/main" xmlns="" val="3331191738"/>
+        <p14:creationId xmlns="" xmlns:p14="http://schemas.microsoft.com/office/powerpoint/2010/main" val="3331191738"/>
       </p:ext>
     </p:extLst>
   </p:cSld>
@@ -1543,7 +1542,7 @@
             <a:fld id="{E29F8C55-E21C-4075-B1C9-F08CF5EA8D74}" type="datetimeFigureOut">
               <a:rPr lang="ko-KR" altLang="en-US" smtClean="0"/>
               <a:pPr/>
-              <a:t>2014-08-31</a:t>
+              <a:t>2014-09-04</a:t>
             </a:fld>
             <a:endParaRPr lang="ko-KR" altLang="en-US"/>
           </a:p>
@@ -1771,7 +1770,7 @@
             <a:fld id="{E29F8C55-E21C-4075-B1C9-F08CF5EA8D74}" type="datetimeFigureOut">
               <a:rPr lang="ko-KR" altLang="en-US" smtClean="0"/>
               <a:pPr/>
-              <a:t>2014-08-31</a:t>
+              <a:t>2014-09-04</a:t>
             </a:fld>
             <a:endParaRPr lang="ko-KR" altLang="en-US"/>
           </a:p>
@@ -1948,7 +1947,7 @@
             <a:fld id="{E29F8C55-E21C-4075-B1C9-F08CF5EA8D74}" type="datetimeFigureOut">
               <a:rPr lang="ko-KR" altLang="en-US" smtClean="0"/>
               <a:pPr/>
-              <a:t>2014-08-31</a:t>
+              <a:t>2014-09-04</a:t>
             </a:fld>
             <a:endParaRPr lang="ko-KR" altLang="en-US"/>
           </a:p>
@@ -2115,7 +2114,7 @@
             <a:fld id="{E29F8C55-E21C-4075-B1C9-F08CF5EA8D74}" type="datetimeFigureOut">
               <a:rPr lang="ko-KR" altLang="en-US" smtClean="0"/>
               <a:pPr/>
-              <a:t>2014-08-31</a:t>
+              <a:t>2014-09-04</a:t>
             </a:fld>
             <a:endParaRPr lang="ko-KR" altLang="en-US"/>
           </a:p>
@@ -2361,7 +2360,7 @@
             <a:fld id="{E29F8C55-E21C-4075-B1C9-F08CF5EA8D74}" type="datetimeFigureOut">
               <a:rPr lang="ko-KR" altLang="en-US" smtClean="0"/>
               <a:pPr/>
-              <a:t>2014-08-31</a:t>
+              <a:t>2014-09-04</a:t>
             </a:fld>
             <a:endParaRPr lang="ko-KR" altLang="en-US"/>
           </a:p>
@@ -2627,7 +2626,7 @@
             <a:fld id="{E29F8C55-E21C-4075-B1C9-F08CF5EA8D74}" type="datetimeFigureOut">
               <a:rPr lang="ko-KR" altLang="en-US" smtClean="0"/>
               <a:pPr/>
-              <a:t>2014-08-31</a:t>
+              <a:t>2014-09-04</a:t>
             </a:fld>
             <a:endParaRPr lang="ko-KR" altLang="en-US"/>
           </a:p>
@@ -3003,7 +3002,7 @@
             <a:fld id="{E29F8C55-E21C-4075-B1C9-F08CF5EA8D74}" type="datetimeFigureOut">
               <a:rPr lang="ko-KR" altLang="en-US" smtClean="0"/>
               <a:pPr/>
-              <a:t>2014-08-31</a:t>
+              <a:t>2014-09-04</a:t>
             </a:fld>
             <a:endParaRPr lang="ko-KR" altLang="en-US"/>
           </a:p>
@@ -3118,7 +3117,7 @@
             <a:fld id="{E29F8C55-E21C-4075-B1C9-F08CF5EA8D74}" type="datetimeFigureOut">
               <a:rPr lang="ko-KR" altLang="en-US" smtClean="0"/>
               <a:pPr/>
-              <a:t>2014-08-31</a:t>
+              <a:t>2014-09-04</a:t>
             </a:fld>
             <a:endParaRPr lang="ko-KR" altLang="en-US"/>
           </a:p>
@@ -3210,7 +3209,7 @@
             <a:fld id="{E29F8C55-E21C-4075-B1C9-F08CF5EA8D74}" type="datetimeFigureOut">
               <a:rPr lang="ko-KR" altLang="en-US" smtClean="0"/>
               <a:pPr/>
-              <a:t>2014-08-31</a:t>
+              <a:t>2014-09-04</a:t>
             </a:fld>
             <a:endParaRPr lang="ko-KR" altLang="en-US"/>
           </a:p>
@@ -3470,7 +3469,7 @@
             <a:fld id="{E29F8C55-E21C-4075-B1C9-F08CF5EA8D74}" type="datetimeFigureOut">
               <a:rPr lang="ko-KR" altLang="en-US" smtClean="0"/>
               <a:pPr/>
-              <a:t>2014-08-31</a:t>
+              <a:t>2014-09-04</a:t>
             </a:fld>
             <a:endParaRPr lang="ko-KR" altLang="en-US"/>
           </a:p>
@@ -3736,7 +3735,7 @@
             <a:fld id="{E29F8C55-E21C-4075-B1C9-F08CF5EA8D74}" type="datetimeFigureOut">
               <a:rPr lang="ko-KR" altLang="en-US" smtClean="0"/>
               <a:pPr/>
-              <a:t>2014-08-31</a:t>
+              <a:t>2014-09-04</a:t>
             </a:fld>
             <a:endParaRPr lang="ko-KR" altLang="en-US"/>
           </a:p>
@@ -3955,7 +3954,7 @@
             <a:fld id="{E29F8C55-E21C-4075-B1C9-F08CF5EA8D74}" type="datetimeFigureOut">
               <a:rPr lang="ko-KR" altLang="en-US" smtClean="0"/>
               <a:pPr/>
-              <a:t>2014-08-31</a:t>
+              <a:t>2014-09-04</a:t>
             </a:fld>
             <a:endParaRPr lang="ko-KR" altLang="en-US"/>
           </a:p>
@@ -4547,7 +4546,7 @@
     </p:spTree>
     <p:extLst>
       <p:ext uri="{BB962C8B-B14F-4D97-AF65-F5344CB8AC3E}">
-        <p14:creationId xmlns:p14="http://schemas.microsoft.com/office/powerpoint/2010/main" xmlns="" val="434350243"/>
+        <p14:creationId xmlns="" xmlns:p14="http://schemas.microsoft.com/office/powerpoint/2010/main" val="434350243"/>
       </p:ext>
     </p:extLst>
   </p:cSld>
@@ -4565,304 +4564,6 @@
 </file>
 
 <file path=ppt/slides/slide10.xml><?xml version="1.0" encoding="utf-8"?>
-<p:sld xmlns:a="http://schemas.openxmlformats.org/drawingml/2006/main" xmlns:r="http://schemas.openxmlformats.org/officeDocument/2006/relationships" xmlns:p="http://schemas.openxmlformats.org/presentationml/2006/main">
-  <p:cSld>
-    <p:spTree>
-      <p:nvGrpSpPr>
-        <p:cNvPr id="1" name=""/>
-        <p:cNvGrpSpPr/>
-        <p:nvPr/>
-      </p:nvGrpSpPr>
-      <p:grpSpPr>
-        <a:xfrm>
-          <a:off x="0" y="0"/>
-          <a:ext cx="0" cy="0"/>
-          <a:chOff x="0" y="0"/>
-          <a:chExt cx="0" cy="0"/>
-        </a:xfrm>
-      </p:grpSpPr>
-      <p:sp>
-        <p:nvSpPr>
-          <p:cNvPr id="11" name="모서리가 둥근 직사각형 10"/>
-          <p:cNvSpPr/>
-          <p:nvPr/>
-        </p:nvSpPr>
-        <p:spPr>
-          <a:xfrm>
-            <a:off x="0" y="4267200"/>
-            <a:ext cx="2133600" cy="685800"/>
-          </a:xfrm>
-          <a:prstGeom prst="roundRect">
-            <a:avLst/>
-          </a:prstGeom>
-          <a:solidFill>
-            <a:schemeClr val="bg2">
-              <a:lumMod val="90000"/>
-              <a:alpha val="50000"/>
-            </a:schemeClr>
-          </a:solidFill>
-          <a:ln>
-            <a:noFill/>
-          </a:ln>
-        </p:spPr>
-        <p:style>
-          <a:lnRef idx="2">
-            <a:schemeClr val="accent1">
-              <a:shade val="50000"/>
-            </a:schemeClr>
-          </a:lnRef>
-          <a:fillRef idx="1">
-            <a:schemeClr val="accent1"/>
-          </a:fillRef>
-          <a:effectRef idx="0">
-            <a:schemeClr val="accent1"/>
-          </a:effectRef>
-          <a:fontRef idx="minor">
-            <a:schemeClr val="lt1"/>
-          </a:fontRef>
-        </p:style>
-        <p:txBody>
-          <a:bodyPr rtlCol="0" anchor="ctr"/>
-          <a:lstStyle/>
-          <a:p>
-            <a:pPr algn="ctr"/>
-            <a:endParaRPr lang="ko-KR" altLang="en-US"/>
-          </a:p>
-        </p:txBody>
-      </p:sp>
-      <p:sp>
-        <p:nvSpPr>
-          <p:cNvPr id="2" name="제목 1"/>
-          <p:cNvSpPr>
-            <a:spLocks noGrp="1"/>
-          </p:cNvSpPr>
-          <p:nvPr>
-            <p:ph type="ctrTitle"/>
-          </p:nvPr>
-        </p:nvSpPr>
-        <p:spPr>
-          <a:xfrm>
-            <a:off x="0" y="7883"/>
-            <a:ext cx="9144000" cy="1211317"/>
-          </a:xfrm>
-        </p:spPr>
-        <p:txBody>
-          <a:bodyPr>
-            <a:normAutofit/>
-          </a:bodyPr>
-          <a:lstStyle/>
-          <a:p>
-            <a:r>
-              <a:rPr lang="en-US" altLang="ko-KR" sz="6000" dirty="0" smtClean="0"/>
-              <a:t>Client</a:t>
-            </a:r>
-            <a:endParaRPr lang="ko-KR" altLang="en-US" sz="6000" dirty="0"/>
-          </a:p>
-        </p:txBody>
-      </p:sp>
-      <p:sp>
-        <p:nvSpPr>
-          <p:cNvPr id="3" name="부제목 2"/>
-          <p:cNvSpPr>
-            <a:spLocks noGrp="1"/>
-          </p:cNvSpPr>
-          <p:nvPr>
-            <p:ph type="subTitle" idx="1"/>
-          </p:nvPr>
-        </p:nvSpPr>
-        <p:spPr>
-          <a:xfrm>
-            <a:off x="152400" y="1241367"/>
-            <a:ext cx="1965434" cy="5638800"/>
-          </a:xfrm>
-        </p:spPr>
-        <p:txBody>
-          <a:bodyPr>
-            <a:normAutofit/>
-          </a:bodyPr>
-          <a:lstStyle/>
-          <a:p>
-            <a:pPr algn="l"/>
-            <a:endParaRPr lang="en-US" altLang="ko-KR" sz="2800" dirty="0" smtClean="0">
-              <a:solidFill>
-                <a:schemeClr val="tx1"/>
-              </a:solidFill>
-            </a:endParaRPr>
-          </a:p>
-          <a:p>
-            <a:pPr algn="l"/>
-            <a:endParaRPr lang="en-US" altLang="ko-KR" sz="2800" dirty="0">
-              <a:solidFill>
-                <a:schemeClr val="tx1"/>
-              </a:solidFill>
-            </a:endParaRPr>
-          </a:p>
-          <a:p>
-            <a:pPr algn="l"/>
-            <a:r>
-              <a:rPr lang="en-US" altLang="ko-KR" sz="2800" dirty="0" smtClean="0">
-                <a:solidFill>
-                  <a:schemeClr val="tx1"/>
-                </a:solidFill>
-              </a:rPr>
-              <a:t>Overview</a:t>
-            </a:r>
-          </a:p>
-          <a:p>
-            <a:pPr algn="l"/>
-            <a:endParaRPr lang="en-US" altLang="ko-KR" sz="2800" dirty="0" smtClean="0">
-              <a:solidFill>
-                <a:schemeClr val="tx1"/>
-              </a:solidFill>
-            </a:endParaRPr>
-          </a:p>
-          <a:p>
-            <a:pPr algn="l"/>
-            <a:r>
-              <a:rPr lang="en-US" altLang="ko-KR" sz="2800" dirty="0" err="1" smtClean="0">
-                <a:solidFill>
-                  <a:schemeClr val="tx1"/>
-                </a:solidFill>
-              </a:rPr>
-              <a:t>Cloudmine</a:t>
-            </a:r>
-            <a:endParaRPr lang="en-US" altLang="ko-KR" sz="2800" dirty="0" smtClean="0">
-              <a:solidFill>
-                <a:schemeClr val="tx1"/>
-              </a:solidFill>
-            </a:endParaRPr>
-          </a:p>
-          <a:p>
-            <a:pPr algn="l"/>
-            <a:endParaRPr lang="en-US" altLang="ko-KR" sz="2800" dirty="0" smtClean="0">
-              <a:solidFill>
-                <a:schemeClr val="tx1"/>
-              </a:solidFill>
-            </a:endParaRPr>
-          </a:p>
-          <a:p>
-            <a:pPr algn="l"/>
-            <a:r>
-              <a:rPr lang="en-US" altLang="ko-KR" sz="2800" dirty="0" smtClean="0">
-                <a:solidFill>
-                  <a:schemeClr val="tx1"/>
-                </a:solidFill>
-              </a:rPr>
-              <a:t>Search</a:t>
-            </a:r>
-          </a:p>
-          <a:p>
-            <a:pPr algn="l"/>
-            <a:endParaRPr lang="en-US" altLang="ko-KR" sz="2800" dirty="0" smtClean="0">
-              <a:solidFill>
-                <a:schemeClr val="tx1"/>
-              </a:solidFill>
-            </a:endParaRPr>
-          </a:p>
-          <a:p>
-            <a:pPr algn="l"/>
-            <a:r>
-              <a:rPr lang="en-US" altLang="ko-KR" sz="2800" dirty="0" smtClean="0">
-                <a:solidFill>
-                  <a:schemeClr val="tx1"/>
-                </a:solidFill>
-              </a:rPr>
-              <a:t>Calendar</a:t>
-            </a:r>
-          </a:p>
-        </p:txBody>
-      </p:sp>
-      <p:cxnSp>
-        <p:nvCxnSpPr>
-          <p:cNvPr id="5" name="직선 연결선 4"/>
-          <p:cNvCxnSpPr/>
-          <p:nvPr/>
-        </p:nvCxnSpPr>
-        <p:spPr>
-          <a:xfrm>
-            <a:off x="0" y="1219200"/>
-            <a:ext cx="9144000" cy="0"/>
-          </a:xfrm>
-          <a:prstGeom prst="line">
-            <a:avLst/>
-          </a:prstGeom>
-          <a:ln w="63500">
-            <a:solidFill>
-              <a:schemeClr val="tx1"/>
-            </a:solidFill>
-          </a:ln>
-        </p:spPr>
-        <p:style>
-          <a:lnRef idx="1">
-            <a:schemeClr val="accent1"/>
-          </a:lnRef>
-          <a:fillRef idx="0">
-            <a:schemeClr val="accent1"/>
-          </a:fillRef>
-          <a:effectRef idx="0">
-            <a:schemeClr val="accent1"/>
-          </a:effectRef>
-          <a:fontRef idx="minor">
-            <a:schemeClr val="tx1"/>
-          </a:fontRef>
-        </p:style>
-      </p:cxnSp>
-      <p:cxnSp>
-        <p:nvCxnSpPr>
-          <p:cNvPr id="6" name="직선 연결선 5"/>
-          <p:cNvCxnSpPr/>
-          <p:nvPr/>
-        </p:nvCxnSpPr>
-        <p:spPr>
-          <a:xfrm>
-            <a:off x="2133600" y="1219200"/>
-            <a:ext cx="0" cy="5638800"/>
-          </a:xfrm>
-          <a:prstGeom prst="line">
-            <a:avLst/>
-          </a:prstGeom>
-          <a:ln w="63500">
-            <a:solidFill>
-              <a:schemeClr val="tx1"/>
-            </a:solidFill>
-          </a:ln>
-        </p:spPr>
-        <p:style>
-          <a:lnRef idx="1">
-            <a:schemeClr val="accent1"/>
-          </a:lnRef>
-          <a:fillRef idx="0">
-            <a:schemeClr val="accent1"/>
-          </a:fillRef>
-          <a:effectRef idx="0">
-            <a:schemeClr val="accent1"/>
-          </a:effectRef>
-          <a:fontRef idx="minor">
-            <a:schemeClr val="tx1"/>
-          </a:fontRef>
-        </p:style>
-      </p:cxnSp>
-    </p:spTree>
-    <p:extLst>
-      <p:ext uri="{BB962C8B-B14F-4D97-AF65-F5344CB8AC3E}">
-        <p14:creationId xmlns:p14="http://schemas.microsoft.com/office/powerpoint/2010/main" xmlns="" val="1505881489"/>
-      </p:ext>
-    </p:extLst>
-  </p:cSld>
-  <p:clrMapOvr>
-    <a:masterClrMapping/>
-  </p:clrMapOvr>
-  <p:timing>
-    <p:tnLst>
-      <p:par>
-        <p:cTn id="1" dur="indefinite" restart="never" nodeType="tmRoot"/>
-      </p:par>
-    </p:tnLst>
-  </p:timing>
-</p:sld>
-</file>
-
-<file path=ppt/slides/slide11.xml><?xml version="1.0" encoding="utf-8"?>
 <p:sld xmlns:a="http://schemas.openxmlformats.org/drawingml/2006/main" xmlns:r="http://schemas.openxmlformats.org/officeDocument/2006/relationships" xmlns:p="http://schemas.openxmlformats.org/presentationml/2006/main">
   <p:cSld>
     <p:spTree>
@@ -4952,7 +4653,7 @@
           <a:p>
             <a:r>
               <a:rPr lang="en-US" altLang="ko-KR" sz="6000" dirty="0" smtClean="0"/>
-              <a:t>Client</a:t>
+              <a:t>Calendar</a:t>
             </a:r>
             <a:endParaRPr lang="ko-KR" altLang="en-US" sz="6000" dirty="0"/>
           </a:p>
@@ -5173,7 +4874,84 @@
     </p:spTree>
     <p:extLst>
       <p:ext uri="{BB962C8B-B14F-4D97-AF65-F5344CB8AC3E}">
-        <p14:creationId xmlns:p14="http://schemas.microsoft.com/office/powerpoint/2010/main" xmlns="" val="1350067551"/>
+        <p14:creationId xmlns="" xmlns:p14="http://schemas.microsoft.com/office/powerpoint/2010/main" val="1350067551"/>
+      </p:ext>
+    </p:extLst>
+  </p:cSld>
+  <p:clrMapOvr>
+    <a:masterClrMapping/>
+  </p:clrMapOvr>
+  <p:timing>
+    <p:tnLst>
+      <p:par>
+        <p:cTn id="1" dur="indefinite" restart="never" nodeType="tmRoot"/>
+      </p:par>
+    </p:tnLst>
+  </p:timing>
+</p:sld>
+</file>
+
+<file path=ppt/slides/slide11.xml><?xml version="1.0" encoding="utf-8"?>
+<p:sld xmlns:a="http://schemas.openxmlformats.org/drawingml/2006/main" xmlns:r="http://schemas.openxmlformats.org/officeDocument/2006/relationships" xmlns:p="http://schemas.openxmlformats.org/presentationml/2006/main">
+  <p:cSld>
+    <p:spTree>
+      <p:nvGrpSpPr>
+        <p:cNvPr id="1" name=""/>
+        <p:cNvGrpSpPr/>
+        <p:nvPr/>
+      </p:nvGrpSpPr>
+      <p:grpSpPr>
+        <a:xfrm>
+          <a:off x="0" y="0"/>
+          <a:ext cx="0" cy="0"/>
+          <a:chOff x="0" y="0"/>
+          <a:chExt cx="0" cy="0"/>
+        </a:xfrm>
+      </p:grpSpPr>
+      <p:sp>
+        <p:nvSpPr>
+          <p:cNvPr id="2" name="제목 1"/>
+          <p:cNvSpPr>
+            <a:spLocks noGrp="1"/>
+          </p:cNvSpPr>
+          <p:nvPr>
+            <p:ph type="ctrTitle"/>
+          </p:nvPr>
+        </p:nvSpPr>
+        <p:spPr>
+          <a:xfrm>
+            <a:off x="0" y="7883"/>
+            <a:ext cx="9144000" cy="6850117"/>
+          </a:xfrm>
+        </p:spPr>
+        <p:txBody>
+          <a:bodyPr>
+            <a:normAutofit fontScale="90000"/>
+          </a:bodyPr>
+          <a:lstStyle/>
+          <a:p>
+            <a:r>
+              <a:rPr lang="en-US" altLang="ko-KR" sz="7200" dirty="0" smtClean="0"/>
+              <a:t>Concert Calendar</a:t>
+            </a:r>
+            <a:br>
+              <a:rPr lang="en-US" altLang="ko-KR" sz="7200" dirty="0" smtClean="0"/>
+            </a:br>
+            <a:r>
+              <a:rPr lang="en-US" altLang="ko-KR" sz="16600" dirty="0" smtClean="0"/>
+              <a:t>Demo</a:t>
+            </a:r>
+            <a:br>
+              <a:rPr lang="en-US" altLang="ko-KR" sz="16600" dirty="0" smtClean="0"/>
+            </a:br>
+            <a:endParaRPr lang="ko-KR" altLang="en-US" sz="16600" dirty="0"/>
+          </a:p>
+        </p:txBody>
+      </p:sp>
+    </p:spTree>
+    <p:extLst>
+      <p:ext uri="{BB962C8B-B14F-4D97-AF65-F5344CB8AC3E}">
+        <p14:creationId xmlns="" xmlns:p14="http://schemas.microsoft.com/office/powerpoint/2010/main" val="1267769290"/>
       </p:ext>
     </p:extLst>
   </p:cSld>
@@ -5209,13 +4987,330 @@
       </p:grpSpPr>
       <p:sp>
         <p:nvSpPr>
+          <p:cNvPr id="2" name="제목 1"/>
+          <p:cNvSpPr>
+            <a:spLocks noGrp="1"/>
+          </p:cNvSpPr>
+          <p:nvPr>
+            <p:ph type="ctrTitle"/>
+          </p:nvPr>
+        </p:nvSpPr>
+        <p:spPr>
+          <a:xfrm>
+            <a:off x="0" y="7883"/>
+            <a:ext cx="9144000" cy="6850117"/>
+          </a:xfrm>
+        </p:spPr>
+        <p:txBody>
+          <a:bodyPr>
+            <a:normAutofit/>
+          </a:bodyPr>
+          <a:lstStyle/>
+          <a:p>
+            <a:r>
+              <a:rPr lang="en-US" altLang="ko-KR" sz="16600" dirty="0" smtClean="0"/>
+              <a:t>Q </a:t>
+            </a:r>
+            <a:r>
+              <a:rPr lang="en-US" altLang="ko-KR" sz="16600" smtClean="0"/>
+              <a:t>&amp; </a:t>
+            </a:r>
+            <a:r>
+              <a:rPr lang="en-US" altLang="ko-KR" sz="16600" smtClean="0"/>
+              <a:t>A</a:t>
+            </a:r>
+            <a:br>
+              <a:rPr lang="en-US" altLang="ko-KR" sz="16600" smtClean="0"/>
+            </a:br>
+            <a:endParaRPr lang="ko-KR" altLang="en-US" sz="16600" dirty="0"/>
+          </a:p>
+        </p:txBody>
+      </p:sp>
+    </p:spTree>
+    <p:extLst>
+      <p:ext uri="{BB962C8B-B14F-4D97-AF65-F5344CB8AC3E}">
+        <p14:creationId xmlns="" xmlns:p14="http://schemas.microsoft.com/office/powerpoint/2010/main" val="1267769290"/>
+      </p:ext>
+    </p:extLst>
+  </p:cSld>
+  <p:clrMapOvr>
+    <a:masterClrMapping/>
+  </p:clrMapOvr>
+  <p:timing>
+    <p:tnLst>
+      <p:par>
+        <p:cTn id="1" dur="indefinite" restart="never" nodeType="tmRoot"/>
+      </p:par>
+    </p:tnLst>
+  </p:timing>
+</p:sld>
+</file>
+
+<file path=ppt/slides/slide2.xml><?xml version="1.0" encoding="utf-8"?>
+<p:sld xmlns:a="http://schemas.openxmlformats.org/drawingml/2006/main" xmlns:r="http://schemas.openxmlformats.org/officeDocument/2006/relationships" xmlns:p="http://schemas.openxmlformats.org/presentationml/2006/main">
+  <p:cSld>
+    <p:spTree>
+      <p:nvGrpSpPr>
+        <p:cNvPr id="1" name=""/>
+        <p:cNvGrpSpPr/>
+        <p:nvPr/>
+      </p:nvGrpSpPr>
+      <p:grpSpPr>
+        <a:xfrm>
+          <a:off x="0" y="0"/>
+          <a:ext cx="0" cy="0"/>
+          <a:chOff x="0" y="0"/>
+          <a:chExt cx="0" cy="0"/>
+        </a:xfrm>
+      </p:grpSpPr>
+      <p:sp>
+        <p:nvSpPr>
+          <p:cNvPr id="2" name="제목 1"/>
+          <p:cNvSpPr>
+            <a:spLocks noGrp="1"/>
+          </p:cNvSpPr>
+          <p:nvPr>
+            <p:ph type="ctrTitle"/>
+          </p:nvPr>
+        </p:nvSpPr>
+        <p:spPr>
+          <a:xfrm>
+            <a:off x="0" y="7883"/>
+            <a:ext cx="9144000" cy="1211317"/>
+          </a:xfrm>
+        </p:spPr>
+        <p:txBody>
+          <a:bodyPr>
+            <a:normAutofit/>
+          </a:bodyPr>
+          <a:lstStyle/>
+          <a:p>
+            <a:r>
+              <a:rPr lang="en-US" altLang="ko-KR" sz="6000" dirty="0" smtClean="0"/>
+              <a:t>Contents</a:t>
+            </a:r>
+            <a:endParaRPr lang="ko-KR" altLang="en-US" sz="6000" dirty="0"/>
+          </a:p>
+        </p:txBody>
+      </p:sp>
+      <p:sp>
+        <p:nvSpPr>
+          <p:cNvPr id="3" name="부제목 2"/>
+          <p:cNvSpPr>
+            <a:spLocks noGrp="1"/>
+          </p:cNvSpPr>
+          <p:nvPr>
+            <p:ph type="subTitle" idx="1"/>
+          </p:nvPr>
+        </p:nvSpPr>
+        <p:spPr>
+          <a:xfrm>
+            <a:off x="1219200" y="1676400"/>
+            <a:ext cx="6705600" cy="3962400"/>
+          </a:xfrm>
+        </p:spPr>
+        <p:txBody>
+          <a:bodyPr>
+            <a:normAutofit lnSpcReduction="10000"/>
+          </a:bodyPr>
+          <a:lstStyle/>
+          <a:p>
+            <a:pPr marL="457200" indent="-457200" algn="l">
+              <a:buFontTx/>
+              <a:buChar char="-"/>
+            </a:pPr>
+            <a:r>
+              <a:rPr lang="en-US" altLang="ko-KR" sz="2800" dirty="0" smtClean="0">
+                <a:solidFill>
+                  <a:schemeClr val="tx1"/>
+                </a:solidFill>
+              </a:rPr>
+              <a:t>Overview</a:t>
+            </a:r>
+          </a:p>
+          <a:p>
+            <a:pPr algn="l"/>
+            <a:endParaRPr lang="en-US" altLang="ko-KR" sz="2800" dirty="0" smtClean="0">
+              <a:solidFill>
+                <a:schemeClr val="tx1"/>
+              </a:solidFill>
+            </a:endParaRPr>
+          </a:p>
+          <a:p>
+            <a:pPr marL="457200" indent="-457200" algn="l">
+              <a:buFontTx/>
+              <a:buChar char="-"/>
+            </a:pPr>
+            <a:r>
+              <a:rPr lang="en-US" altLang="ko-KR" sz="2800" dirty="0" smtClean="0">
+                <a:solidFill>
+                  <a:schemeClr val="tx1"/>
+                </a:solidFill>
+              </a:rPr>
+              <a:t>Manage Concert Information (</a:t>
+            </a:r>
+            <a:r>
+              <a:rPr lang="en-US" altLang="ko-KR" sz="2800" dirty="0" err="1" smtClean="0">
+                <a:solidFill>
+                  <a:schemeClr val="tx1"/>
+                </a:solidFill>
+              </a:rPr>
+              <a:t>Cloudmine</a:t>
+            </a:r>
+            <a:r>
+              <a:rPr lang="en-US" altLang="ko-KR" sz="2800" dirty="0" smtClean="0">
+                <a:solidFill>
+                  <a:schemeClr val="tx1"/>
+                </a:solidFill>
+              </a:rPr>
+              <a:t>)</a:t>
+            </a:r>
+          </a:p>
+          <a:p>
+            <a:pPr algn="l"/>
+            <a:endParaRPr lang="en-US" altLang="ko-KR" sz="2800" dirty="0" smtClean="0">
+              <a:solidFill>
+                <a:schemeClr val="tx1"/>
+              </a:solidFill>
+            </a:endParaRPr>
+          </a:p>
+          <a:p>
+            <a:pPr marL="457200" indent="-457200" algn="l">
+              <a:buFontTx/>
+              <a:buChar char="-"/>
+            </a:pPr>
+            <a:r>
+              <a:rPr lang="en-US" altLang="ko-KR" sz="2800" dirty="0" smtClean="0">
+                <a:solidFill>
+                  <a:schemeClr val="tx1"/>
+                </a:solidFill>
+              </a:rPr>
+              <a:t>Search </a:t>
+            </a:r>
+            <a:r>
+              <a:rPr lang="en-US" altLang="ko-KR" dirty="0" smtClean="0"/>
+              <a:t>Concerts</a:t>
+            </a:r>
+            <a:endParaRPr lang="en-US" altLang="ko-KR" sz="2800" dirty="0" smtClean="0">
+              <a:solidFill>
+                <a:schemeClr val="tx1"/>
+              </a:solidFill>
+            </a:endParaRPr>
+          </a:p>
+          <a:p>
+            <a:pPr algn="l"/>
+            <a:endParaRPr lang="en-US" altLang="ko-KR" sz="2800" dirty="0" smtClean="0">
+              <a:solidFill>
+                <a:schemeClr val="tx1"/>
+              </a:solidFill>
+            </a:endParaRPr>
+          </a:p>
+          <a:p>
+            <a:pPr marL="457200" indent="-457200" algn="l">
+              <a:buFontTx/>
+              <a:buChar char="-"/>
+            </a:pPr>
+            <a:r>
+              <a:rPr lang="en-US" altLang="ko-KR" sz="2800" dirty="0" smtClean="0">
+                <a:solidFill>
+                  <a:schemeClr val="tx1"/>
+                </a:solidFill>
+              </a:rPr>
+              <a:t>Calendar </a:t>
+            </a:r>
+            <a:r>
+              <a:rPr lang="en-US" altLang="ko-KR" dirty="0" smtClean="0"/>
+              <a:t>of Concerts for 5 days</a:t>
+            </a:r>
+            <a:endParaRPr lang="en-US" altLang="ko-KR" sz="2800" dirty="0" smtClean="0">
+              <a:solidFill>
+                <a:schemeClr val="tx1"/>
+              </a:solidFill>
+            </a:endParaRPr>
+          </a:p>
+        </p:txBody>
+      </p:sp>
+      <p:cxnSp>
+        <p:nvCxnSpPr>
+          <p:cNvPr id="5" name="직선 연결선 4"/>
+          <p:cNvCxnSpPr/>
+          <p:nvPr/>
+        </p:nvCxnSpPr>
+        <p:spPr>
+          <a:xfrm>
+            <a:off x="0" y="1219200"/>
+            <a:ext cx="9144000" cy="0"/>
+          </a:xfrm>
+          <a:prstGeom prst="line">
+            <a:avLst/>
+          </a:prstGeom>
+          <a:ln w="63500">
+            <a:solidFill>
+              <a:schemeClr val="tx1"/>
+            </a:solidFill>
+          </a:ln>
+        </p:spPr>
+        <p:style>
+          <a:lnRef idx="1">
+            <a:schemeClr val="accent1"/>
+          </a:lnRef>
+          <a:fillRef idx="0">
+            <a:schemeClr val="accent1"/>
+          </a:fillRef>
+          <a:effectRef idx="0">
+            <a:schemeClr val="accent1"/>
+          </a:effectRef>
+          <a:fontRef idx="minor">
+            <a:schemeClr val="tx1"/>
+          </a:fontRef>
+        </p:style>
+      </p:cxnSp>
+    </p:spTree>
+    <p:extLst>
+      <p:ext uri="{BB962C8B-B14F-4D97-AF65-F5344CB8AC3E}">
+        <p14:creationId xmlns="" xmlns:p14="http://schemas.microsoft.com/office/powerpoint/2010/main" val="4247398363"/>
+      </p:ext>
+    </p:extLst>
+  </p:cSld>
+  <p:clrMapOvr>
+    <a:masterClrMapping/>
+  </p:clrMapOvr>
+  <p:timing>
+    <p:tnLst>
+      <p:par>
+        <p:cTn id="1" dur="indefinite" restart="never" nodeType="tmRoot"/>
+      </p:par>
+    </p:tnLst>
+  </p:timing>
+</p:sld>
+</file>
+
+<file path=ppt/slides/slide3.xml><?xml version="1.0" encoding="utf-8"?>
+<p:sld xmlns:a="http://schemas.openxmlformats.org/drawingml/2006/main" xmlns:r="http://schemas.openxmlformats.org/officeDocument/2006/relationships" xmlns:p="http://schemas.openxmlformats.org/presentationml/2006/main">
+  <p:cSld>
+    <p:spTree>
+      <p:nvGrpSpPr>
+        <p:cNvPr id="1" name=""/>
+        <p:cNvGrpSpPr/>
+        <p:nvPr/>
+      </p:nvGrpSpPr>
+      <p:grpSpPr>
+        <a:xfrm>
+          <a:off x="0" y="0"/>
+          <a:ext cx="0" cy="0"/>
+          <a:chOff x="0" y="0"/>
+          <a:chExt cx="0" cy="0"/>
+        </a:xfrm>
+      </p:grpSpPr>
+      <p:sp>
+        <p:nvSpPr>
           <p:cNvPr id="11" name="모서리가 둥근 직사각형 10"/>
           <p:cNvSpPr/>
           <p:nvPr/>
         </p:nvSpPr>
         <p:spPr>
           <a:xfrm>
-            <a:off x="0" y="5257800"/>
+            <a:off x="0" y="2209800"/>
             <a:ext cx="2133600" cy="685800"/>
           </a:xfrm>
           <a:prstGeom prst="roundRect">
@@ -5280,7 +5375,7 @@
           <a:p>
             <a:r>
               <a:rPr lang="en-US" altLang="ko-KR" sz="6000" dirty="0" smtClean="0"/>
-              <a:t>Client</a:t>
+              <a:t>Overview</a:t>
             </a:r>
             <a:endParaRPr lang="ko-KR" altLang="en-US" sz="6000" dirty="0"/>
           </a:p>
@@ -5468,592 +5563,6 @@
           </a:fontRef>
         </p:style>
       </p:cxnSp>
-    </p:spTree>
-    <p:extLst>
-      <p:ext uri="{BB962C8B-B14F-4D97-AF65-F5344CB8AC3E}">
-        <p14:creationId xmlns:p14="http://schemas.microsoft.com/office/powerpoint/2010/main" xmlns="" val="1267769290"/>
-      </p:ext>
-    </p:extLst>
-  </p:cSld>
-  <p:clrMapOvr>
-    <a:masterClrMapping/>
-  </p:clrMapOvr>
-  <p:timing>
-    <p:tnLst>
-      <p:par>
-        <p:cTn id="1" dur="indefinite" restart="never" nodeType="tmRoot"/>
-      </p:par>
-    </p:tnLst>
-  </p:timing>
-</p:sld>
-</file>
-
-<file path=ppt/slides/slide13.xml><?xml version="1.0" encoding="utf-8"?>
-<p:sld xmlns:a="http://schemas.openxmlformats.org/drawingml/2006/main" xmlns:r="http://schemas.openxmlformats.org/officeDocument/2006/relationships" xmlns:p="http://schemas.openxmlformats.org/presentationml/2006/main">
-  <p:cSld>
-    <p:spTree>
-      <p:nvGrpSpPr>
-        <p:cNvPr id="1" name=""/>
-        <p:cNvGrpSpPr/>
-        <p:nvPr/>
-      </p:nvGrpSpPr>
-      <p:grpSpPr>
-        <a:xfrm>
-          <a:off x="0" y="0"/>
-          <a:ext cx="0" cy="0"/>
-          <a:chOff x="0" y="0"/>
-          <a:chExt cx="0" cy="0"/>
-        </a:xfrm>
-      </p:grpSpPr>
-      <p:sp>
-        <p:nvSpPr>
-          <p:cNvPr id="2" name="제목 1"/>
-          <p:cNvSpPr>
-            <a:spLocks noGrp="1"/>
-          </p:cNvSpPr>
-          <p:nvPr>
-            <p:ph type="ctrTitle"/>
-          </p:nvPr>
-        </p:nvSpPr>
-        <p:spPr>
-          <a:xfrm>
-            <a:off x="0" y="7883"/>
-            <a:ext cx="9144000" cy="6850117"/>
-          </a:xfrm>
-        </p:spPr>
-        <p:txBody>
-          <a:bodyPr>
-            <a:normAutofit/>
-          </a:bodyPr>
-          <a:lstStyle/>
-          <a:p>
-            <a:r>
-              <a:rPr lang="en-US" altLang="ko-KR" sz="16600" dirty="0" smtClean="0"/>
-              <a:t>Q &amp; A</a:t>
-            </a:r>
-            <a:endParaRPr lang="ko-KR" altLang="en-US" sz="16600" dirty="0"/>
-          </a:p>
-        </p:txBody>
-      </p:sp>
-    </p:spTree>
-    <p:extLst>
-      <p:ext uri="{BB962C8B-B14F-4D97-AF65-F5344CB8AC3E}">
-        <p14:creationId xmlns:p14="http://schemas.microsoft.com/office/powerpoint/2010/main" xmlns="" val="1267769290"/>
-      </p:ext>
-    </p:extLst>
-  </p:cSld>
-  <p:clrMapOvr>
-    <a:masterClrMapping/>
-  </p:clrMapOvr>
-  <p:timing>
-    <p:tnLst>
-      <p:par>
-        <p:cTn id="1" dur="indefinite" restart="never" nodeType="tmRoot"/>
-      </p:par>
-    </p:tnLst>
-  </p:timing>
-</p:sld>
-</file>
-
-<file path=ppt/slides/slide2.xml><?xml version="1.0" encoding="utf-8"?>
-<p:sld xmlns:a="http://schemas.openxmlformats.org/drawingml/2006/main" xmlns:r="http://schemas.openxmlformats.org/officeDocument/2006/relationships" xmlns:p="http://schemas.openxmlformats.org/presentationml/2006/main">
-  <p:cSld>
-    <p:spTree>
-      <p:nvGrpSpPr>
-        <p:cNvPr id="1" name=""/>
-        <p:cNvGrpSpPr/>
-        <p:nvPr/>
-      </p:nvGrpSpPr>
-      <p:grpSpPr>
-        <a:xfrm>
-          <a:off x="0" y="0"/>
-          <a:ext cx="0" cy="0"/>
-          <a:chOff x="0" y="0"/>
-          <a:chExt cx="0" cy="0"/>
-        </a:xfrm>
-      </p:grpSpPr>
-      <p:sp>
-        <p:nvSpPr>
-          <p:cNvPr id="2" name="제목 1"/>
-          <p:cNvSpPr>
-            <a:spLocks noGrp="1"/>
-          </p:cNvSpPr>
-          <p:nvPr>
-            <p:ph type="ctrTitle"/>
-          </p:nvPr>
-        </p:nvSpPr>
-        <p:spPr>
-          <a:xfrm>
-            <a:off x="0" y="7883"/>
-            <a:ext cx="9144000" cy="1211317"/>
-          </a:xfrm>
-        </p:spPr>
-        <p:txBody>
-          <a:bodyPr>
-            <a:normAutofit/>
-          </a:bodyPr>
-          <a:lstStyle/>
-          <a:p>
-            <a:r>
-              <a:rPr lang="en-US" altLang="ko-KR" sz="6000" dirty="0" smtClean="0"/>
-              <a:t>Contents</a:t>
-            </a:r>
-            <a:endParaRPr lang="ko-KR" altLang="en-US" sz="6000" dirty="0"/>
-          </a:p>
-        </p:txBody>
-      </p:sp>
-      <p:sp>
-        <p:nvSpPr>
-          <p:cNvPr id="3" name="부제목 2"/>
-          <p:cNvSpPr>
-            <a:spLocks noGrp="1"/>
-          </p:cNvSpPr>
-          <p:nvPr>
-            <p:ph type="subTitle" idx="1"/>
-          </p:nvPr>
-        </p:nvSpPr>
-        <p:spPr>
-          <a:xfrm>
-            <a:off x="1219200" y="1676400"/>
-            <a:ext cx="6705600" cy="3962400"/>
-          </a:xfrm>
-        </p:spPr>
-        <p:txBody>
-          <a:bodyPr>
-            <a:normAutofit lnSpcReduction="10000"/>
-          </a:bodyPr>
-          <a:lstStyle/>
-          <a:p>
-            <a:pPr marL="457200" indent="-457200" algn="l">
-              <a:buFontTx/>
-              <a:buChar char="-"/>
-            </a:pPr>
-            <a:r>
-              <a:rPr lang="en-US" altLang="ko-KR" sz="2800" dirty="0" smtClean="0">
-                <a:solidFill>
-                  <a:schemeClr val="tx1"/>
-                </a:solidFill>
-              </a:rPr>
-              <a:t>Overview</a:t>
-            </a:r>
-          </a:p>
-          <a:p>
-            <a:pPr algn="l"/>
-            <a:endParaRPr lang="en-US" altLang="ko-KR" sz="2800" dirty="0" smtClean="0">
-              <a:solidFill>
-                <a:schemeClr val="tx1"/>
-              </a:solidFill>
-            </a:endParaRPr>
-          </a:p>
-          <a:p>
-            <a:pPr marL="457200" indent="-457200" algn="l">
-              <a:buFontTx/>
-              <a:buChar char="-"/>
-            </a:pPr>
-            <a:r>
-              <a:rPr lang="en-US" altLang="ko-KR" sz="2800" dirty="0" smtClean="0">
-                <a:solidFill>
-                  <a:schemeClr val="tx1"/>
-                </a:solidFill>
-              </a:rPr>
-              <a:t>Manage Concert Information (</a:t>
-            </a:r>
-            <a:r>
-              <a:rPr lang="en-US" altLang="ko-KR" sz="2800" dirty="0" err="1" smtClean="0">
-                <a:solidFill>
-                  <a:schemeClr val="tx1"/>
-                </a:solidFill>
-              </a:rPr>
-              <a:t>Cloudmine</a:t>
-            </a:r>
-            <a:r>
-              <a:rPr lang="en-US" altLang="ko-KR" sz="2800" dirty="0" smtClean="0">
-                <a:solidFill>
-                  <a:schemeClr val="tx1"/>
-                </a:solidFill>
-              </a:rPr>
-              <a:t>)</a:t>
-            </a:r>
-          </a:p>
-          <a:p>
-            <a:pPr algn="l"/>
-            <a:endParaRPr lang="en-US" altLang="ko-KR" sz="2800" dirty="0" smtClean="0">
-              <a:solidFill>
-                <a:schemeClr val="tx1"/>
-              </a:solidFill>
-            </a:endParaRPr>
-          </a:p>
-          <a:p>
-            <a:pPr marL="457200" indent="-457200" algn="l">
-              <a:buFontTx/>
-              <a:buChar char="-"/>
-            </a:pPr>
-            <a:r>
-              <a:rPr lang="en-US" altLang="ko-KR" sz="2800" dirty="0" smtClean="0">
-                <a:solidFill>
-                  <a:schemeClr val="tx1"/>
-                </a:solidFill>
-              </a:rPr>
-              <a:t>Search (Client)</a:t>
-            </a:r>
-          </a:p>
-          <a:p>
-            <a:pPr algn="l"/>
-            <a:endParaRPr lang="en-US" altLang="ko-KR" sz="2800" dirty="0" smtClean="0">
-              <a:solidFill>
-                <a:schemeClr val="tx1"/>
-              </a:solidFill>
-            </a:endParaRPr>
-          </a:p>
-          <a:p>
-            <a:pPr marL="457200" indent="-457200" algn="l">
-              <a:buFontTx/>
-              <a:buChar char="-"/>
-            </a:pPr>
-            <a:r>
-              <a:rPr lang="en-US" altLang="ko-KR" sz="2800" dirty="0" smtClean="0">
-                <a:solidFill>
-                  <a:schemeClr val="tx1"/>
-                </a:solidFill>
-              </a:rPr>
-              <a:t>Calendar (Client)</a:t>
-            </a:r>
-          </a:p>
-        </p:txBody>
-      </p:sp>
-      <p:cxnSp>
-        <p:nvCxnSpPr>
-          <p:cNvPr id="5" name="직선 연결선 4"/>
-          <p:cNvCxnSpPr/>
-          <p:nvPr/>
-        </p:nvCxnSpPr>
-        <p:spPr>
-          <a:xfrm>
-            <a:off x="0" y="1219200"/>
-            <a:ext cx="9144000" cy="0"/>
-          </a:xfrm>
-          <a:prstGeom prst="line">
-            <a:avLst/>
-          </a:prstGeom>
-          <a:ln w="63500">
-            <a:solidFill>
-              <a:schemeClr val="tx1"/>
-            </a:solidFill>
-          </a:ln>
-        </p:spPr>
-        <p:style>
-          <a:lnRef idx="1">
-            <a:schemeClr val="accent1"/>
-          </a:lnRef>
-          <a:fillRef idx="0">
-            <a:schemeClr val="accent1"/>
-          </a:fillRef>
-          <a:effectRef idx="0">
-            <a:schemeClr val="accent1"/>
-          </a:effectRef>
-          <a:fontRef idx="minor">
-            <a:schemeClr val="tx1"/>
-          </a:fontRef>
-        </p:style>
-      </p:cxnSp>
-    </p:spTree>
-    <p:extLst>
-      <p:ext uri="{BB962C8B-B14F-4D97-AF65-F5344CB8AC3E}">
-        <p14:creationId xmlns:p14="http://schemas.microsoft.com/office/powerpoint/2010/main" xmlns="" val="4247398363"/>
-      </p:ext>
-    </p:extLst>
-  </p:cSld>
-  <p:clrMapOvr>
-    <a:masterClrMapping/>
-  </p:clrMapOvr>
-  <p:timing>
-    <p:tnLst>
-      <p:par>
-        <p:cTn id="1" dur="indefinite" restart="never" nodeType="tmRoot"/>
-      </p:par>
-    </p:tnLst>
-  </p:timing>
-</p:sld>
-</file>
-
-<file path=ppt/slides/slide3.xml><?xml version="1.0" encoding="utf-8"?>
-<p:sld xmlns:a="http://schemas.openxmlformats.org/drawingml/2006/main" xmlns:r="http://schemas.openxmlformats.org/officeDocument/2006/relationships" xmlns:p="http://schemas.openxmlformats.org/presentationml/2006/main">
-  <p:cSld>
-    <p:spTree>
-      <p:nvGrpSpPr>
-        <p:cNvPr id="1" name=""/>
-        <p:cNvGrpSpPr/>
-        <p:nvPr/>
-      </p:nvGrpSpPr>
-      <p:grpSpPr>
-        <a:xfrm>
-          <a:off x="0" y="0"/>
-          <a:ext cx="0" cy="0"/>
-          <a:chOff x="0" y="0"/>
-          <a:chExt cx="0" cy="0"/>
-        </a:xfrm>
-      </p:grpSpPr>
-      <p:sp>
-        <p:nvSpPr>
-          <p:cNvPr id="11" name="모서리가 둥근 직사각형 10"/>
-          <p:cNvSpPr/>
-          <p:nvPr/>
-        </p:nvSpPr>
-        <p:spPr>
-          <a:xfrm>
-            <a:off x="0" y="2209800"/>
-            <a:ext cx="2133600" cy="685800"/>
-          </a:xfrm>
-          <a:prstGeom prst="roundRect">
-            <a:avLst/>
-          </a:prstGeom>
-          <a:solidFill>
-            <a:schemeClr val="bg2">
-              <a:lumMod val="90000"/>
-              <a:alpha val="50000"/>
-            </a:schemeClr>
-          </a:solidFill>
-          <a:ln>
-            <a:noFill/>
-          </a:ln>
-        </p:spPr>
-        <p:style>
-          <a:lnRef idx="2">
-            <a:schemeClr val="accent1">
-              <a:shade val="50000"/>
-            </a:schemeClr>
-          </a:lnRef>
-          <a:fillRef idx="1">
-            <a:schemeClr val="accent1"/>
-          </a:fillRef>
-          <a:effectRef idx="0">
-            <a:schemeClr val="accent1"/>
-          </a:effectRef>
-          <a:fontRef idx="minor">
-            <a:schemeClr val="lt1"/>
-          </a:fontRef>
-        </p:style>
-        <p:txBody>
-          <a:bodyPr rtlCol="0" anchor="ctr"/>
-          <a:lstStyle/>
-          <a:p>
-            <a:pPr algn="ctr"/>
-            <a:endParaRPr lang="ko-KR" altLang="en-US"/>
-          </a:p>
-        </p:txBody>
-      </p:sp>
-      <p:sp>
-        <p:nvSpPr>
-          <p:cNvPr id="2" name="제목 1"/>
-          <p:cNvSpPr>
-            <a:spLocks noGrp="1"/>
-          </p:cNvSpPr>
-          <p:nvPr>
-            <p:ph type="ctrTitle"/>
-          </p:nvPr>
-        </p:nvSpPr>
-        <p:spPr>
-          <a:xfrm>
-            <a:off x="0" y="7883"/>
-            <a:ext cx="9144000" cy="1211317"/>
-          </a:xfrm>
-        </p:spPr>
-        <p:txBody>
-          <a:bodyPr>
-            <a:normAutofit/>
-          </a:bodyPr>
-          <a:lstStyle/>
-          <a:p>
-            <a:r>
-              <a:rPr lang="en-US" altLang="ko-KR" sz="6000" dirty="0" smtClean="0"/>
-              <a:t>Overview</a:t>
-            </a:r>
-            <a:endParaRPr lang="ko-KR" altLang="en-US" sz="6000" dirty="0"/>
-          </a:p>
-        </p:txBody>
-      </p:sp>
-      <p:sp>
-        <p:nvSpPr>
-          <p:cNvPr id="3" name="부제목 2"/>
-          <p:cNvSpPr>
-            <a:spLocks noGrp="1"/>
-          </p:cNvSpPr>
-          <p:nvPr>
-            <p:ph type="subTitle" idx="1"/>
-          </p:nvPr>
-        </p:nvSpPr>
-        <p:spPr>
-          <a:xfrm>
-            <a:off x="152400" y="1241367"/>
-            <a:ext cx="1965434" cy="5638800"/>
-          </a:xfrm>
-        </p:spPr>
-        <p:txBody>
-          <a:bodyPr>
-            <a:normAutofit/>
-          </a:bodyPr>
-          <a:lstStyle/>
-          <a:p>
-            <a:pPr algn="l"/>
-            <a:endParaRPr lang="en-US" altLang="ko-KR" sz="2800" dirty="0" smtClean="0">
-              <a:solidFill>
-                <a:schemeClr val="tx1"/>
-              </a:solidFill>
-            </a:endParaRPr>
-          </a:p>
-          <a:p>
-            <a:pPr algn="l"/>
-            <a:endParaRPr lang="en-US" altLang="ko-KR" sz="2800" dirty="0">
-              <a:solidFill>
-                <a:schemeClr val="tx1"/>
-              </a:solidFill>
-            </a:endParaRPr>
-          </a:p>
-          <a:p>
-            <a:pPr algn="l"/>
-            <a:r>
-              <a:rPr lang="en-US" altLang="ko-KR" sz="2800" dirty="0" smtClean="0">
-                <a:solidFill>
-                  <a:schemeClr val="tx1"/>
-                </a:solidFill>
-              </a:rPr>
-              <a:t>Overview</a:t>
-            </a:r>
-          </a:p>
-          <a:p>
-            <a:pPr algn="l"/>
-            <a:endParaRPr lang="en-US" altLang="ko-KR" sz="2800" dirty="0" smtClean="0">
-              <a:solidFill>
-                <a:schemeClr val="tx1"/>
-              </a:solidFill>
-            </a:endParaRPr>
-          </a:p>
-          <a:p>
-            <a:pPr algn="l"/>
-            <a:r>
-              <a:rPr lang="en-US" altLang="ko-KR" sz="2800" dirty="0" err="1" smtClean="0">
-                <a:solidFill>
-                  <a:schemeClr val="tx1"/>
-                </a:solidFill>
-              </a:rPr>
-              <a:t>Cloudmine</a:t>
-            </a:r>
-            <a:endParaRPr lang="en-US" altLang="ko-KR" sz="2800" dirty="0" smtClean="0">
-              <a:solidFill>
-                <a:schemeClr val="tx1"/>
-              </a:solidFill>
-            </a:endParaRPr>
-          </a:p>
-          <a:p>
-            <a:pPr algn="l"/>
-            <a:endParaRPr lang="en-US" altLang="ko-KR" sz="2800" dirty="0" smtClean="0">
-              <a:solidFill>
-                <a:schemeClr val="tx1"/>
-              </a:solidFill>
-            </a:endParaRPr>
-          </a:p>
-          <a:p>
-            <a:pPr algn="l"/>
-            <a:r>
-              <a:rPr lang="en-US" altLang="ko-KR" sz="2800" dirty="0" smtClean="0">
-                <a:solidFill>
-                  <a:schemeClr val="tx1"/>
-                </a:solidFill>
-              </a:rPr>
-              <a:t>Search</a:t>
-            </a:r>
-          </a:p>
-          <a:p>
-            <a:pPr algn="l"/>
-            <a:endParaRPr lang="en-US" altLang="ko-KR" sz="2800" dirty="0" smtClean="0">
-              <a:solidFill>
-                <a:schemeClr val="tx1"/>
-              </a:solidFill>
-            </a:endParaRPr>
-          </a:p>
-          <a:p>
-            <a:pPr algn="l"/>
-            <a:r>
-              <a:rPr lang="en-US" altLang="ko-KR" sz="2800" dirty="0" smtClean="0">
-                <a:solidFill>
-                  <a:schemeClr val="tx1"/>
-                </a:solidFill>
-              </a:rPr>
-              <a:t>Calendar</a:t>
-            </a:r>
-          </a:p>
-        </p:txBody>
-      </p:sp>
-      <p:cxnSp>
-        <p:nvCxnSpPr>
-          <p:cNvPr id="5" name="직선 연결선 4"/>
-          <p:cNvCxnSpPr/>
-          <p:nvPr/>
-        </p:nvCxnSpPr>
-        <p:spPr>
-          <a:xfrm>
-            <a:off x="0" y="1219200"/>
-            <a:ext cx="9144000" cy="0"/>
-          </a:xfrm>
-          <a:prstGeom prst="line">
-            <a:avLst/>
-          </a:prstGeom>
-          <a:ln w="63500">
-            <a:solidFill>
-              <a:schemeClr val="tx1"/>
-            </a:solidFill>
-          </a:ln>
-        </p:spPr>
-        <p:style>
-          <a:lnRef idx="1">
-            <a:schemeClr val="accent1"/>
-          </a:lnRef>
-          <a:fillRef idx="0">
-            <a:schemeClr val="accent1"/>
-          </a:fillRef>
-          <a:effectRef idx="0">
-            <a:schemeClr val="accent1"/>
-          </a:effectRef>
-          <a:fontRef idx="minor">
-            <a:schemeClr val="tx1"/>
-          </a:fontRef>
-        </p:style>
-      </p:cxnSp>
-      <p:cxnSp>
-        <p:nvCxnSpPr>
-          <p:cNvPr id="6" name="직선 연결선 5"/>
-          <p:cNvCxnSpPr/>
-          <p:nvPr/>
-        </p:nvCxnSpPr>
-        <p:spPr>
-          <a:xfrm>
-            <a:off x="2133600" y="1219200"/>
-            <a:ext cx="0" cy="5638800"/>
-          </a:xfrm>
-          <a:prstGeom prst="line">
-            <a:avLst/>
-          </a:prstGeom>
-          <a:ln w="63500">
-            <a:solidFill>
-              <a:schemeClr val="tx1"/>
-            </a:solidFill>
-          </a:ln>
-        </p:spPr>
-        <p:style>
-          <a:lnRef idx="1">
-            <a:schemeClr val="accent1"/>
-          </a:lnRef>
-          <a:fillRef idx="0">
-            <a:schemeClr val="accent1"/>
-          </a:fillRef>
-          <a:effectRef idx="0">
-            <a:schemeClr val="accent1"/>
-          </a:effectRef>
-          <a:fontRef idx="minor">
-            <a:schemeClr val="tx1"/>
-          </a:fontRef>
-        </p:style>
-      </p:cxnSp>
       <p:sp>
         <p:nvSpPr>
           <p:cNvPr id="8" name="부제목 2"/>
@@ -6293,7 +5802,7 @@
     </p:spTree>
     <p:extLst>
       <p:ext uri="{BB962C8B-B14F-4D97-AF65-F5344CB8AC3E}">
-        <p14:creationId xmlns:p14="http://schemas.microsoft.com/office/powerpoint/2010/main" xmlns="" val="3517184761"/>
+        <p14:creationId xmlns="" xmlns:p14="http://schemas.microsoft.com/office/powerpoint/2010/main" val="3517184761"/>
       </p:ext>
     </p:extLst>
   </p:cSld>
@@ -6600,7 +6109,7 @@
           <a:blip r:embed="rId2" cstate="print">
             <a:extLst>
               <a:ext uri="{28A0092B-C50C-407E-A947-70E740481C1C}">
-                <a14:useLocalDpi xmlns:a14="http://schemas.microsoft.com/office/drawing/2010/main" xmlns="" val="0"/>
+                <a14:useLocalDpi xmlns="" xmlns:a14="http://schemas.microsoft.com/office/drawing/2010/main" val="0"/>
               </a:ext>
             </a:extLst>
           </a:blip>
@@ -6620,7 +6129,7 @@
           <a:noFill/>
           <a:extLst>
             <a:ext uri="{909E8E84-426E-40DD-AFC4-6F175D3DCCD1}">
-              <a14:hiddenFill xmlns:a14="http://schemas.microsoft.com/office/drawing/2010/main" xmlns="">
+              <a14:hiddenFill xmlns="" xmlns:a14="http://schemas.microsoft.com/office/drawing/2010/main">
                 <a:solidFill>
                   <a:srgbClr val="FFFFFF"/>
                 </a:solidFill>
@@ -6632,7 +6141,7 @@
     </p:spTree>
     <p:extLst>
       <p:ext uri="{BB962C8B-B14F-4D97-AF65-F5344CB8AC3E}">
-        <p14:creationId xmlns:p14="http://schemas.microsoft.com/office/powerpoint/2010/main" xmlns="" val="3341241072"/>
+        <p14:creationId xmlns="" xmlns:p14="http://schemas.microsoft.com/office/powerpoint/2010/main" val="3341241072"/>
       </p:ext>
     </p:extLst>
   </p:cSld>
@@ -6950,7 +6459,7 @@
         </p:spPr>
         <p:txBody>
           <a:bodyPr vert="horz" lIns="91440" tIns="45720" rIns="91440" bIns="45720" rtlCol="0">
-            <a:normAutofit fontScale="85000" lnSpcReduction="10000"/>
+            <a:normAutofit fontScale="92500" lnSpcReduction="10000"/>
           </a:bodyPr>
           <a:lstStyle>
             <a:lvl1pPr marL="0" indent="0" algn="ctr" defTabSz="914400" rtl="0" eaLnBrk="1" latinLnBrk="1" hangingPunct="1">
@@ -7113,7 +6622,7 @@
               <a:buChar char="-"/>
             </a:pPr>
             <a:r>
-              <a:rPr lang="en-US" altLang="ko-KR" sz="2800" dirty="0">
+              <a:rPr lang="en-US" altLang="ko-KR" sz="2400" dirty="0">
                 <a:solidFill>
                   <a:schemeClr val="tx1"/>
                 </a:solidFill>
@@ -7121,7 +6630,7 @@
               <a:t>Project utilizes </a:t>
             </a:r>
             <a:r>
-              <a:rPr lang="en-US" altLang="ko-KR" sz="2800" u="sng" dirty="0">
+              <a:rPr lang="en-US" altLang="ko-KR" sz="2400" u="sng" dirty="0">
                 <a:solidFill>
                   <a:schemeClr val="tx1"/>
                 </a:solidFill>
@@ -7130,7 +6639,7 @@
               <a:t>https://cloudmine.me</a:t>
             </a:r>
             <a:r>
-              <a:rPr lang="en-US" altLang="ko-KR" sz="2800" dirty="0">
+              <a:rPr lang="en-US" altLang="ko-KR" sz="2400" dirty="0">
                 <a:solidFill>
                   <a:schemeClr val="tx1"/>
                 </a:solidFill>
@@ -7138,7 +6647,7 @@
               <a:t> object storage to store concert information. Running application for the first time parses and stores concert data into </a:t>
             </a:r>
             <a:r>
-              <a:rPr lang="en-US" altLang="ko-KR" sz="2800" dirty="0" err="1">
+              <a:rPr lang="en-US" altLang="ko-KR" sz="2400" dirty="0" err="1">
                 <a:solidFill>
                   <a:schemeClr val="tx1"/>
                 </a:solidFill>
@@ -7146,7 +6655,7 @@
               <a:t>Cloudmine</a:t>
             </a:r>
             <a:r>
-              <a:rPr lang="en-US" altLang="ko-KR" sz="2800" dirty="0" smtClean="0">
+              <a:rPr lang="en-US" altLang="ko-KR" sz="2400" dirty="0" smtClean="0">
                 <a:solidFill>
                   <a:schemeClr val="tx1"/>
                 </a:solidFill>
@@ -7156,145 +6665,145 @@
           </a:p>
           <a:p>
             <a:pPr algn="l"/>
+            <a:endParaRPr lang="en-US" altLang="ko-KR" sz="2400" dirty="0" smtClean="0">
+              <a:solidFill>
+                <a:schemeClr val="tx1"/>
+              </a:solidFill>
+            </a:endParaRPr>
+          </a:p>
+          <a:p>
+            <a:pPr marL="457200" indent="-457200" algn="l">
+              <a:buFontTx/>
+              <a:buChar char="-"/>
+            </a:pPr>
+            <a:r>
+              <a:rPr lang="en-US" altLang="ko-KR" sz="2400" dirty="0">
+                <a:solidFill>
+                  <a:schemeClr val="tx1"/>
+                </a:solidFill>
+              </a:rPr>
+              <a:t>Subsequent runs will load data from </a:t>
+            </a:r>
+            <a:r>
+              <a:rPr lang="en-US" altLang="ko-KR" sz="2400" dirty="0" err="1">
+                <a:solidFill>
+                  <a:schemeClr val="tx1"/>
+                </a:solidFill>
+              </a:rPr>
+              <a:t>Cloudmine</a:t>
+            </a:r>
+            <a:r>
+              <a:rPr lang="en-US" altLang="ko-KR" sz="2400" dirty="0">
+                <a:solidFill>
+                  <a:schemeClr val="tx1"/>
+                </a:solidFill>
+              </a:rPr>
+              <a:t>, thereby skipping the parsing step and speeding up the application</a:t>
+            </a:r>
+            <a:r>
+              <a:rPr lang="en-US" altLang="ko-KR" sz="2400" dirty="0" smtClean="0">
+                <a:solidFill>
+                  <a:schemeClr val="tx1"/>
+                </a:solidFill>
+              </a:rPr>
+              <a:t>.</a:t>
+            </a:r>
+          </a:p>
+          <a:p>
+            <a:pPr algn="l"/>
+            <a:endParaRPr lang="en-US" altLang="ko-KR" sz="2400" dirty="0" smtClean="0">
+              <a:solidFill>
+                <a:schemeClr val="tx1"/>
+              </a:solidFill>
+            </a:endParaRPr>
+          </a:p>
+          <a:p>
+            <a:pPr marL="457200" indent="-457200" algn="l">
+              <a:buFontTx/>
+              <a:buChar char="-"/>
+            </a:pPr>
+            <a:r>
+              <a:rPr lang="en-US" altLang="ko-KR" sz="2400" dirty="0">
+                <a:solidFill>
+                  <a:schemeClr val="tx1"/>
+                </a:solidFill>
+              </a:rPr>
+              <a:t>Before loading concert data from </a:t>
+            </a:r>
+            <a:r>
+              <a:rPr lang="en-US" altLang="ko-KR" sz="2400" dirty="0" err="1">
+                <a:solidFill>
+                  <a:schemeClr val="tx1"/>
+                </a:solidFill>
+              </a:rPr>
+              <a:t>Cloudmine</a:t>
+            </a:r>
+            <a:r>
+              <a:rPr lang="en-US" altLang="ko-KR" sz="2400" dirty="0">
+                <a:solidFill>
+                  <a:schemeClr val="tx1"/>
+                </a:solidFill>
+              </a:rPr>
+              <a:t>, Concert Tracker will check if it is less than 24 hours old</a:t>
+            </a:r>
+            <a:r>
+              <a:rPr lang="en-US" altLang="ko-KR" sz="2400" dirty="0" smtClean="0">
+                <a:solidFill>
+                  <a:schemeClr val="tx1"/>
+                </a:solidFill>
+              </a:rPr>
+              <a:t>.</a:t>
+            </a:r>
+          </a:p>
+          <a:p>
+            <a:pPr algn="l"/>
+            <a:endParaRPr lang="en-US" altLang="ko-KR" sz="2400" dirty="0" smtClean="0">
+              <a:solidFill>
+                <a:schemeClr val="tx1"/>
+              </a:solidFill>
+            </a:endParaRPr>
+          </a:p>
+          <a:p>
+            <a:pPr marL="457200" indent="-457200" algn="l">
+              <a:buFontTx/>
+              <a:buChar char="-"/>
+            </a:pPr>
+            <a:r>
+              <a:rPr lang="en-US" altLang="ko-KR" sz="2400" dirty="0">
+                <a:solidFill>
+                  <a:schemeClr val="tx1"/>
+                </a:solidFill>
+              </a:rPr>
+              <a:t>Running application more than 24 hours after previous run will once again download, parse and store fresh data from www.xpn.org into </a:t>
+            </a:r>
+            <a:r>
+              <a:rPr lang="en-US" altLang="ko-KR" sz="2400" dirty="0" err="1">
+                <a:solidFill>
+                  <a:schemeClr val="tx1"/>
+                </a:solidFill>
+              </a:rPr>
+              <a:t>Cloudmine</a:t>
+            </a:r>
+            <a:r>
+              <a:rPr lang="en-US" altLang="ko-KR" sz="2400" dirty="0">
+                <a:solidFill>
+                  <a:schemeClr val="tx1"/>
+                </a:solidFill>
+              </a:rPr>
+              <a:t>.</a:t>
+            </a:r>
             <a:endParaRPr lang="en-US" altLang="ko-KR" sz="2800" dirty="0" smtClean="0">
               <a:solidFill>
                 <a:schemeClr val="tx1"/>
               </a:solidFill>
             </a:endParaRPr>
           </a:p>
-          <a:p>
-            <a:pPr marL="457200" indent="-457200" algn="l">
-              <a:buFontTx/>
-              <a:buChar char="-"/>
-            </a:pPr>
-            <a:r>
-              <a:rPr lang="en-US" altLang="ko-KR" sz="2800" dirty="0">
-                <a:solidFill>
-                  <a:schemeClr val="tx1"/>
-                </a:solidFill>
-              </a:rPr>
-              <a:t>Subsequent runs will load data from </a:t>
-            </a:r>
-            <a:r>
-              <a:rPr lang="en-US" altLang="ko-KR" sz="2800" dirty="0" err="1">
-                <a:solidFill>
-                  <a:schemeClr val="tx1"/>
-                </a:solidFill>
-              </a:rPr>
-              <a:t>Cloudmine</a:t>
-            </a:r>
-            <a:r>
-              <a:rPr lang="en-US" altLang="ko-KR" sz="2800" dirty="0">
-                <a:solidFill>
-                  <a:schemeClr val="tx1"/>
-                </a:solidFill>
-              </a:rPr>
-              <a:t>, thereby skipping the parsing step and speeding up the application</a:t>
-            </a:r>
-            <a:r>
-              <a:rPr lang="en-US" altLang="ko-KR" sz="2800" dirty="0" smtClean="0">
-                <a:solidFill>
-                  <a:schemeClr val="tx1"/>
-                </a:solidFill>
-              </a:rPr>
-              <a:t>.</a:t>
-            </a:r>
-          </a:p>
-          <a:p>
-            <a:pPr algn="l"/>
-            <a:endParaRPr lang="en-US" altLang="ko-KR" sz="2800" dirty="0" smtClean="0">
-              <a:solidFill>
-                <a:schemeClr val="tx1"/>
-              </a:solidFill>
-            </a:endParaRPr>
-          </a:p>
-          <a:p>
-            <a:pPr marL="457200" indent="-457200" algn="l">
-              <a:buFontTx/>
-              <a:buChar char="-"/>
-            </a:pPr>
-            <a:r>
-              <a:rPr lang="en-US" altLang="ko-KR" sz="2800" dirty="0">
-                <a:solidFill>
-                  <a:schemeClr val="tx1"/>
-                </a:solidFill>
-              </a:rPr>
-              <a:t>Before loading concert data from </a:t>
-            </a:r>
-            <a:r>
-              <a:rPr lang="en-US" altLang="ko-KR" sz="2800" dirty="0" err="1">
-                <a:solidFill>
-                  <a:schemeClr val="tx1"/>
-                </a:solidFill>
-              </a:rPr>
-              <a:t>Cloudmine</a:t>
-            </a:r>
-            <a:r>
-              <a:rPr lang="en-US" altLang="ko-KR" sz="2800" dirty="0">
-                <a:solidFill>
-                  <a:schemeClr val="tx1"/>
-                </a:solidFill>
-              </a:rPr>
-              <a:t>, Concert Tracker will check if it is less than 24 hours old</a:t>
-            </a:r>
-            <a:r>
-              <a:rPr lang="en-US" altLang="ko-KR" sz="2800" dirty="0" smtClean="0">
-                <a:solidFill>
-                  <a:schemeClr val="tx1"/>
-                </a:solidFill>
-              </a:rPr>
-              <a:t>.</a:t>
-            </a:r>
-          </a:p>
-          <a:p>
-            <a:pPr algn="l"/>
-            <a:endParaRPr lang="en-US" altLang="ko-KR" sz="2800" dirty="0" smtClean="0">
-              <a:solidFill>
-                <a:schemeClr val="tx1"/>
-              </a:solidFill>
-            </a:endParaRPr>
-          </a:p>
-          <a:p>
-            <a:pPr marL="457200" indent="-457200" algn="l">
-              <a:buFontTx/>
-              <a:buChar char="-"/>
-            </a:pPr>
-            <a:r>
-              <a:rPr lang="en-US" altLang="ko-KR" sz="2400" dirty="0">
-                <a:solidFill>
-                  <a:schemeClr val="tx1"/>
-                </a:solidFill>
-              </a:rPr>
-              <a:t>Running application more than 24 hours after previous run will once again download, parse and store fresh data from www.xpn.org into </a:t>
-            </a:r>
-            <a:r>
-              <a:rPr lang="en-US" altLang="ko-KR" sz="2400" dirty="0" err="1">
-                <a:solidFill>
-                  <a:schemeClr val="tx1"/>
-                </a:solidFill>
-              </a:rPr>
-              <a:t>Cloudmine</a:t>
-            </a:r>
-            <a:r>
-              <a:rPr lang="en-US" altLang="ko-KR" sz="2400" dirty="0">
-                <a:solidFill>
-                  <a:schemeClr val="tx1"/>
-                </a:solidFill>
-              </a:rPr>
-              <a:t>.</a:t>
-            </a:r>
-            <a:endParaRPr lang="en-US" altLang="ko-KR" sz="2800" dirty="0" smtClean="0">
-              <a:solidFill>
-                <a:schemeClr val="tx1"/>
-              </a:solidFill>
-            </a:endParaRPr>
-          </a:p>
         </p:txBody>
       </p:sp>
     </p:spTree>
     <p:extLst>
       <p:ext uri="{BB962C8B-B14F-4D97-AF65-F5344CB8AC3E}">
-        <p14:creationId xmlns:p14="http://schemas.microsoft.com/office/powerpoint/2010/main" xmlns="" val="1350067551"/>
+        <p14:creationId xmlns="" xmlns:p14="http://schemas.microsoft.com/office/powerpoint/2010/main" val="1350067551"/>
       </p:ext>
     </p:extLst>
   </p:cSld>
@@ -7401,7 +6910,7 @@
           <a:p>
             <a:r>
               <a:rPr lang="en-US" altLang="ko-KR" sz="6000" dirty="0" smtClean="0"/>
-              <a:t>Client</a:t>
+              <a:t>search</a:t>
             </a:r>
             <a:endParaRPr lang="ko-KR" altLang="en-US" sz="6000" dirty="0"/>
           </a:p>
@@ -7622,7 +7131,7 @@
     </p:spTree>
     <p:extLst>
       <p:ext uri="{BB962C8B-B14F-4D97-AF65-F5344CB8AC3E}">
-        <p14:creationId xmlns:p14="http://schemas.microsoft.com/office/powerpoint/2010/main" xmlns="" val="2318559351"/>
+        <p14:creationId xmlns="" xmlns:p14="http://schemas.microsoft.com/office/powerpoint/2010/main" val="2318559351"/>
       </p:ext>
     </p:extLst>
   </p:cSld>
@@ -7729,7 +7238,7 @@
           <a:p>
             <a:r>
               <a:rPr lang="en-US" altLang="ko-KR" sz="6000" dirty="0" smtClean="0"/>
-              <a:t>Client</a:t>
+              <a:t>Search</a:t>
             </a:r>
             <a:endParaRPr lang="ko-KR" altLang="en-US" sz="6000" dirty="0"/>
           </a:p>
@@ -7950,7 +7459,7 @@
     </p:spTree>
     <p:extLst>
       <p:ext uri="{BB962C8B-B14F-4D97-AF65-F5344CB8AC3E}">
-        <p14:creationId xmlns:p14="http://schemas.microsoft.com/office/powerpoint/2010/main" xmlns="" val="1350067551"/>
+        <p14:creationId xmlns="" xmlns:p14="http://schemas.microsoft.com/office/powerpoint/2010/main" val="1350067551"/>
       </p:ext>
     </p:extLst>
   </p:cSld>
@@ -8057,7 +7566,7 @@
           <a:p>
             <a:r>
               <a:rPr lang="en-US" altLang="ko-KR" sz="6000" dirty="0" smtClean="0"/>
-              <a:t>Client</a:t>
+              <a:t>Search results</a:t>
             </a:r>
             <a:endParaRPr lang="ko-KR" altLang="en-US" sz="6000" dirty="0"/>
           </a:p>
@@ -8278,7 +7787,7 @@
     </p:spTree>
     <p:extLst>
       <p:ext uri="{BB962C8B-B14F-4D97-AF65-F5344CB8AC3E}">
-        <p14:creationId xmlns:p14="http://schemas.microsoft.com/office/powerpoint/2010/main" xmlns="" val="1756656462"/>
+        <p14:creationId xmlns="" xmlns:p14="http://schemas.microsoft.com/office/powerpoint/2010/main" val="1756656462"/>
       </p:ext>
     </p:extLst>
   </p:cSld>
@@ -8385,7 +7894,7 @@
           <a:p>
             <a:r>
               <a:rPr lang="en-US" altLang="ko-KR" sz="6000" dirty="0" smtClean="0"/>
-              <a:t>Client</a:t>
+              <a:t>Saved search</a:t>
             </a:r>
             <a:endParaRPr lang="ko-KR" altLang="en-US" sz="6000" dirty="0"/>
           </a:p>
@@ -8606,7 +8115,7 @@
     </p:spTree>
     <p:extLst>
       <p:ext uri="{BB962C8B-B14F-4D97-AF65-F5344CB8AC3E}">
-        <p14:creationId xmlns:p14="http://schemas.microsoft.com/office/powerpoint/2010/main" xmlns="" val="1505881489"/>
+        <p14:creationId xmlns="" xmlns:p14="http://schemas.microsoft.com/office/powerpoint/2010/main" val="1505881489"/>
       </p:ext>
     </p:extLst>
   </p:cSld>
